--- a/Primzahlen und Threads.pptx
+++ b/Primzahlen und Threads.pptx
@@ -5,7 +5,7 @@
     <p:sldMasterId id="2147483648" r:id="rId1"/>
   </p:sldMasterIdLst>
   <p:notesMasterIdLst>
-    <p:notesMasterId r:id="rId15"/>
+    <p:notesMasterId r:id="rId16"/>
   </p:notesMasterIdLst>
   <p:sldIdLst>
     <p:sldId id="256" r:id="rId2"/>
@@ -17,10 +17,11 @@
     <p:sldId id="261" r:id="rId8"/>
     <p:sldId id="264" r:id="rId9"/>
     <p:sldId id="263" r:id="rId10"/>
-    <p:sldId id="266" r:id="rId11"/>
-    <p:sldId id="267" r:id="rId12"/>
-    <p:sldId id="265" r:id="rId13"/>
-    <p:sldId id="268" r:id="rId14"/>
+    <p:sldId id="269" r:id="rId11"/>
+    <p:sldId id="266" r:id="rId12"/>
+    <p:sldId id="267" r:id="rId13"/>
+    <p:sldId id="265" r:id="rId14"/>
+    <p:sldId id="268" r:id="rId15"/>
   </p:sldIdLst>
   <p:sldSz cx="9144000" cy="6858000" type="screen4x3"/>
   <p:notesSz cx="6858000" cy="9144000"/>
@@ -595,6 +596,90 @@
     <p:extLst>
       <p:ext uri="{BB962C8B-B14F-4D97-AF65-F5344CB8AC3E}">
         <p14:creationId xmlns:p14="http://schemas.microsoft.com/office/powerpoint/2010/main" val="535074515"/>
+      </p:ext>
+    </p:extLst>
+  </p:cSld>
+  <p:clrMapOvr>
+    <a:masterClrMapping/>
+  </p:clrMapOvr>
+</p:notes>
+</file>
+
+<file path=ppt/notesSlides/notesSlide2.xml><?xml version="1.0" encoding="utf-8"?>
+<p:notes xmlns:a="http://schemas.openxmlformats.org/drawingml/2006/main" xmlns:r="http://schemas.openxmlformats.org/officeDocument/2006/relationships" xmlns:p="http://schemas.openxmlformats.org/presentationml/2006/main">
+  <p:cSld>
+    <p:spTree>
+      <p:nvGrpSpPr>
+        <p:cNvPr id="1" name=""/>
+        <p:cNvGrpSpPr/>
+        <p:nvPr/>
+      </p:nvGrpSpPr>
+      <p:grpSpPr>
+        <a:xfrm>
+          <a:off x="0" y="0"/>
+          <a:ext cx="0" cy="0"/>
+          <a:chOff x="0" y="0"/>
+          <a:chExt cx="0" cy="0"/>
+        </a:xfrm>
+      </p:grpSpPr>
+      <p:sp>
+        <p:nvSpPr>
+          <p:cNvPr id="2" name="Folienbildplatzhalter 1"/>
+          <p:cNvSpPr>
+            <a:spLocks noGrp="1" noRot="1" noChangeAspect="1"/>
+          </p:cNvSpPr>
+          <p:nvPr>
+            <p:ph type="sldImg"/>
+          </p:nvPr>
+        </p:nvSpPr>
+        <p:spPr/>
+      </p:sp>
+      <p:sp>
+        <p:nvSpPr>
+          <p:cNvPr id="3" name="Notizenplatzhalter 2"/>
+          <p:cNvSpPr>
+            <a:spLocks noGrp="1"/>
+          </p:cNvSpPr>
+          <p:nvPr>
+            <p:ph type="body" idx="1"/>
+          </p:nvPr>
+        </p:nvSpPr>
+        <p:spPr/>
+        <p:txBody>
+          <a:bodyPr/>
+          <a:lstStyle/>
+          <a:p>
+            <a:endParaRPr lang="de-CH" dirty="0"/>
+          </a:p>
+        </p:txBody>
+      </p:sp>
+      <p:sp>
+        <p:nvSpPr>
+          <p:cNvPr id="4" name="Foliennummernplatzhalter 3"/>
+          <p:cNvSpPr>
+            <a:spLocks noGrp="1"/>
+          </p:cNvSpPr>
+          <p:nvPr>
+            <p:ph type="sldNum" sz="quarter" idx="10"/>
+          </p:nvPr>
+        </p:nvSpPr>
+        <p:spPr/>
+        <p:txBody>
+          <a:bodyPr/>
+          <a:lstStyle/>
+          <a:p>
+            <a:fld id="{B267EA16-1FF6-46A6-A6F7-0B7CA0B719BB}" type="slidenum">
+              <a:rPr lang="de-CH" smtClean="0"/>
+              <a:t>10</a:t>
+            </a:fld>
+            <a:endParaRPr lang="de-CH"/>
+          </a:p>
+        </p:txBody>
+      </p:sp>
+    </p:spTree>
+    <p:extLst>
+      <p:ext uri="{BB962C8B-B14F-4D97-AF65-F5344CB8AC3E}">
+        <p14:creationId xmlns:p14="http://schemas.microsoft.com/office/powerpoint/2010/main" val="1027648065"/>
       </p:ext>
     </p:extLst>
   </p:cSld>
@@ -3704,43 +3789,117 @@
           <a:p>
             <a:r>
               <a:rPr lang="en-US" dirty="0" err="1" smtClean="0"/>
-              <a:t>Erklärung</a:t>
+              <a:t>Vergleich</a:t>
             </a:r>
             <a:r>
               <a:rPr lang="en-US" dirty="0" smtClean="0"/>
+              <a:t> Single / Multithread</a:t>
+            </a:r>
+            <a:endParaRPr lang="de-CH" dirty="0"/>
+          </a:p>
+        </p:txBody>
+      </p:sp>
+      <p:pic>
+        <p:nvPicPr>
+          <p:cNvPr id="1026" name="Picture 2" descr="C:\Users\James\Desktop\Capture1.PNG"/>
+          <p:cNvPicPr>
+            <a:picLocks noGrp="1" noChangeAspect="1" noChangeArrowheads="1"/>
+          </p:cNvPicPr>
+          <p:nvPr>
+            <p:ph idx="1"/>
+          </p:nvPr>
+        </p:nvPicPr>
+        <p:blipFill>
+          <a:blip r:embed="rId3">
+            <a:extLst>
+              <a:ext uri="{28A0092B-C50C-407E-A947-70E740481C1C}">
+                <a14:useLocalDpi xmlns:a14="http://schemas.microsoft.com/office/drawing/2010/main" val="0"/>
+              </a:ext>
+            </a:extLst>
+          </a:blip>
+          <a:srcRect/>
+          <a:stretch>
+            <a:fillRect/>
+          </a:stretch>
+        </p:blipFill>
+        <p:spPr bwMode="auto">
+          <a:xfrm>
+            <a:off x="179512" y="980729"/>
+            <a:ext cx="8121097" cy="4608512"/>
+          </a:xfrm>
+          <a:prstGeom prst="rect">
+            <a:avLst/>
+          </a:prstGeom>
+          <a:noFill/>
+          <a:extLst>
+            <a:ext uri="{909E8E84-426E-40DD-AFC4-6F175D3DCCD1}">
+              <a14:hiddenFill xmlns:a14="http://schemas.microsoft.com/office/drawing/2010/main">
+                <a:solidFill>
+                  <a:srgbClr val="FFFFFF"/>
+                </a:solidFill>
+              </a14:hiddenFill>
+            </a:ext>
+          </a:extLst>
+        </p:spPr>
+      </p:pic>
+      <p:sp>
+        <p:nvSpPr>
+          <p:cNvPr id="4" name="Textfeld 3"/>
+          <p:cNvSpPr txBox="1"/>
+          <p:nvPr/>
+        </p:nvSpPr>
+        <p:spPr>
+          <a:xfrm>
+            <a:off x="395536" y="5805264"/>
+            <a:ext cx="8568952" cy="523220"/>
+          </a:xfrm>
+          <a:prstGeom prst="rect">
+            <a:avLst/>
+          </a:prstGeom>
+          <a:noFill/>
+        </p:spPr>
+        <p:txBody>
+          <a:bodyPr wrap="square" rtlCol="0">
+            <a:spAutoFit/>
+          </a:bodyPr>
+          <a:lstStyle/>
+          <a:p>
+            <a:r>
+              <a:rPr lang="en-US" sz="2800" dirty="0" smtClean="0"/>
+              <a:t>1 -500 Threads , </a:t>
+            </a:r>
+            <a:r>
+              <a:rPr lang="en-US" sz="2800" dirty="0" err="1" smtClean="0"/>
+              <a:t>jeweils</a:t>
+            </a:r>
+            <a:r>
+              <a:rPr lang="en-US" sz="2800" dirty="0" smtClean="0"/>
               <a:t> </a:t>
             </a:r>
             <a:r>
-              <a:rPr lang="en-US" dirty="0" err="1" smtClean="0"/>
-              <a:t>Quellcode</a:t>
-            </a:r>
-            <a:endParaRPr lang="de-CH" dirty="0"/>
-          </a:p>
-        </p:txBody>
-      </p:sp>
-      <p:sp>
-        <p:nvSpPr>
-          <p:cNvPr id="3" name="Inhaltsplatzhalter 2"/>
-          <p:cNvSpPr>
-            <a:spLocks noGrp="1"/>
-          </p:cNvSpPr>
-          <p:nvPr>
-            <p:ph idx="1"/>
-          </p:nvPr>
-        </p:nvSpPr>
-        <p:spPr/>
-        <p:txBody>
-          <a:bodyPr/>
-          <a:lstStyle/>
-          <a:p>
-            <a:endParaRPr lang="de-CH"/>
+              <a:rPr lang="en-US" sz="2800" dirty="0" err="1" smtClean="0"/>
+              <a:t>Primzahlberechnung</a:t>
+            </a:r>
+            <a:r>
+              <a:rPr lang="en-US" sz="2800" dirty="0" smtClean="0"/>
+              <a:t> </a:t>
+            </a:r>
+            <a:r>
+              <a:rPr lang="en-US" sz="2800" dirty="0" err="1" smtClean="0"/>
+              <a:t>bis</a:t>
+            </a:r>
+            <a:r>
+              <a:rPr lang="en-US" sz="2800" dirty="0" smtClean="0"/>
+              <a:t>  100’000</a:t>
+            </a:r>
+            <a:endParaRPr lang="de-CH" sz="2800" dirty="0"/>
           </a:p>
         </p:txBody>
       </p:sp>
     </p:spTree>
     <p:extLst>
       <p:ext uri="{BB962C8B-B14F-4D97-AF65-F5344CB8AC3E}">
-        <p14:creationId xmlns:p14="http://schemas.microsoft.com/office/powerpoint/2010/main" val="3847101856"/>
+        <p14:creationId xmlns:p14="http://schemas.microsoft.com/office/powerpoint/2010/main" val="986118332"/>
       </p:ext>
     </p:extLst>
   </p:cSld>
@@ -3791,7 +3950,15 @@
           <a:p>
             <a:r>
               <a:rPr lang="en-US" dirty="0" err="1" smtClean="0"/>
-              <a:t>Fazit</a:t>
+              <a:t>Erklärung</a:t>
+            </a:r>
+            <a:r>
+              <a:rPr lang="en-US" dirty="0" smtClean="0"/>
+              <a:t> </a:t>
+            </a:r>
+            <a:r>
+              <a:rPr lang="en-US" dirty="0" err="1" smtClean="0"/>
+              <a:t>Quellcode</a:t>
             </a:r>
             <a:endParaRPr lang="de-CH" dirty="0"/>
           </a:p>
@@ -3819,7 +3986,7 @@
     </p:spTree>
     <p:extLst>
       <p:ext uri="{BB962C8B-B14F-4D97-AF65-F5344CB8AC3E}">
-        <p14:creationId xmlns:p14="http://schemas.microsoft.com/office/powerpoint/2010/main" val="3666872526"/>
+        <p14:creationId xmlns:p14="http://schemas.microsoft.com/office/powerpoint/2010/main" val="3847101856"/>
       </p:ext>
     </p:extLst>
   </p:cSld>
@@ -3870,6 +4037,85 @@
           <a:p>
             <a:r>
               <a:rPr lang="en-US" dirty="0" err="1" smtClean="0"/>
+              <a:t>Fazit</a:t>
+            </a:r>
+            <a:endParaRPr lang="de-CH" dirty="0"/>
+          </a:p>
+        </p:txBody>
+      </p:sp>
+      <p:sp>
+        <p:nvSpPr>
+          <p:cNvPr id="3" name="Inhaltsplatzhalter 2"/>
+          <p:cNvSpPr>
+            <a:spLocks noGrp="1"/>
+          </p:cNvSpPr>
+          <p:nvPr>
+            <p:ph idx="1"/>
+          </p:nvPr>
+        </p:nvSpPr>
+        <p:spPr/>
+        <p:txBody>
+          <a:bodyPr/>
+          <a:lstStyle/>
+          <a:p>
+            <a:endParaRPr lang="de-CH"/>
+          </a:p>
+        </p:txBody>
+      </p:sp>
+    </p:spTree>
+    <p:extLst>
+      <p:ext uri="{BB962C8B-B14F-4D97-AF65-F5344CB8AC3E}">
+        <p14:creationId xmlns:p14="http://schemas.microsoft.com/office/powerpoint/2010/main" val="3666872526"/>
+      </p:ext>
+    </p:extLst>
+  </p:cSld>
+  <p:clrMapOvr>
+    <a:masterClrMapping/>
+  </p:clrMapOvr>
+  <p:timing>
+    <p:tnLst>
+      <p:par>
+        <p:cTn id="1" dur="indefinite" restart="never" nodeType="tmRoot"/>
+      </p:par>
+    </p:tnLst>
+  </p:timing>
+</p:sld>
+</file>
+
+<file path=ppt/slides/slide13.xml><?xml version="1.0" encoding="utf-8"?>
+<p:sld xmlns:a="http://schemas.openxmlformats.org/drawingml/2006/main" xmlns:r="http://schemas.openxmlformats.org/officeDocument/2006/relationships" xmlns:p="http://schemas.openxmlformats.org/presentationml/2006/main">
+  <p:cSld>
+    <p:spTree>
+      <p:nvGrpSpPr>
+        <p:cNvPr id="1" name=""/>
+        <p:cNvGrpSpPr/>
+        <p:nvPr/>
+      </p:nvGrpSpPr>
+      <p:grpSpPr>
+        <a:xfrm>
+          <a:off x="0" y="0"/>
+          <a:ext cx="0" cy="0"/>
+          <a:chOff x="0" y="0"/>
+          <a:chExt cx="0" cy="0"/>
+        </a:xfrm>
+      </p:grpSpPr>
+      <p:sp>
+        <p:nvSpPr>
+          <p:cNvPr id="2" name="Titel 1"/>
+          <p:cNvSpPr>
+            <a:spLocks noGrp="1"/>
+          </p:cNvSpPr>
+          <p:nvPr>
+            <p:ph type="title"/>
+          </p:nvPr>
+        </p:nvSpPr>
+        <p:spPr/>
+        <p:txBody>
+          <a:bodyPr/>
+          <a:lstStyle/>
+          <a:p>
+            <a:r>
+              <a:rPr lang="en-US" dirty="0" err="1" smtClean="0"/>
               <a:t>Vor</a:t>
             </a:r>
             <a:r>
@@ -3923,7 +4169,7 @@
 </p:sld>
 </file>
 
-<file path=ppt/slides/slide13.xml><?xml version="1.0" encoding="utf-8"?>
+<file path=ppt/slides/slide14.xml><?xml version="1.0" encoding="utf-8"?>
 <p:sld xmlns:a="http://schemas.openxmlformats.org/drawingml/2006/main" xmlns:r="http://schemas.openxmlformats.org/officeDocument/2006/relationships" xmlns:p="http://schemas.openxmlformats.org/presentationml/2006/main">
   <p:cSld>
     <p:spTree>
@@ -4899,7 +5145,15 @@
           <a:bodyPr/>
           <a:lstStyle/>
           <a:p>
-            <a:endParaRPr lang="de-CH"/>
+            <a:r>
+              <a:rPr lang="en-US" dirty="0" err="1"/>
+              <a:t>Umsetzung</a:t>
+            </a:r>
+            <a:r>
+              <a:rPr lang="en-US" dirty="0"/>
+              <a:t> Version2</a:t>
+            </a:r>
+            <a:endParaRPr lang="de-CH" dirty="0"/>
           </a:p>
         </p:txBody>
       </p:sp>
@@ -4918,7 +5172,145 @@
           <a:bodyPr/>
           <a:lstStyle/>
           <a:p>
-            <a:endParaRPr lang="de-CH"/>
+            <a:pPr marL="0" indent="0">
+              <a:buNone/>
+            </a:pPr>
+            <a:r>
+              <a:rPr lang="en-US" dirty="0" err="1" smtClean="0"/>
+              <a:t>Bei</a:t>
+            </a:r>
+            <a:r>
+              <a:rPr lang="en-US" dirty="0" smtClean="0"/>
+              <a:t> </a:t>
+            </a:r>
+            <a:r>
+              <a:rPr lang="en-US" dirty="0" err="1" smtClean="0"/>
+              <a:t>mehreren</a:t>
+            </a:r>
+            <a:r>
+              <a:rPr lang="en-US" dirty="0" smtClean="0"/>
+              <a:t> </a:t>
+            </a:r>
+            <a:r>
+              <a:rPr lang="en-US" dirty="0" err="1" smtClean="0"/>
+              <a:t>Kalkulationen</a:t>
+            </a:r>
+            <a:r>
+              <a:rPr lang="en-US" dirty="0" smtClean="0"/>
+              <a:t>: </a:t>
+            </a:r>
+          </a:p>
+          <a:p>
+            <a:r>
+              <a:rPr lang="en-US" dirty="0" smtClean="0"/>
+              <a:t>CSV Export </a:t>
+            </a:r>
+            <a:r>
+              <a:rPr lang="en-US" dirty="0" err="1" smtClean="0"/>
+              <a:t>für</a:t>
+            </a:r>
+            <a:r>
+              <a:rPr lang="en-US" dirty="0" smtClean="0"/>
+              <a:t> </a:t>
+            </a:r>
+            <a:r>
+              <a:rPr lang="en-US" dirty="0" err="1" smtClean="0"/>
+              <a:t>Auswertung</a:t>
+            </a:r>
+            <a:endParaRPr lang="en-US" dirty="0" smtClean="0"/>
+          </a:p>
+          <a:p>
+            <a:pPr marL="0" indent="0">
+              <a:buNone/>
+            </a:pPr>
+            <a:r>
+              <a:rPr lang="en-US" dirty="0"/>
+              <a:t>	</a:t>
+            </a:r>
+            <a:endParaRPr lang="en-US" dirty="0" smtClean="0"/>
+          </a:p>
+          <a:p>
+            <a:pPr marL="0" indent="0">
+              <a:buNone/>
+            </a:pPr>
+            <a:r>
+              <a:rPr lang="de-CH" dirty="0" err="1" smtClean="0"/>
+              <a:t>Int</a:t>
+            </a:r>
+            <a:r>
+              <a:rPr lang="de-CH" dirty="0" smtClean="0"/>
+              <a:t> </a:t>
+            </a:r>
+            <a:r>
+              <a:rPr lang="de-CH" dirty="0" err="1"/>
+              <a:t>intervall</a:t>
+            </a:r>
+            <a:r>
+              <a:rPr lang="de-CH" dirty="0"/>
+              <a:t> =  </a:t>
+            </a:r>
+            <a:r>
+              <a:rPr lang="de-CH" dirty="0" err="1"/>
+              <a:t>maxValue</a:t>
+            </a:r>
+            <a:r>
+              <a:rPr lang="de-CH" dirty="0"/>
+              <a:t> / </a:t>
+            </a:r>
+            <a:r>
+              <a:rPr lang="de-CH" dirty="0" err="1"/>
+              <a:t>maxThreads</a:t>
+            </a:r>
+            <a:r>
+              <a:rPr lang="de-CH" dirty="0" smtClean="0"/>
+              <a:t>;</a:t>
+            </a:r>
+          </a:p>
+          <a:p>
+            <a:pPr marL="0" indent="0">
+              <a:buNone/>
+            </a:pPr>
+            <a:r>
+              <a:rPr lang="de-CH" dirty="0" err="1"/>
+              <a:t>int</a:t>
+            </a:r>
+            <a:r>
+              <a:rPr lang="de-CH" dirty="0"/>
+              <a:t> </a:t>
+            </a:r>
+            <a:r>
+              <a:rPr lang="de-CH" dirty="0" err="1"/>
+              <a:t>addAdditionalNumbers</a:t>
+            </a:r>
+            <a:r>
+              <a:rPr lang="de-CH" dirty="0"/>
+              <a:t> = </a:t>
+            </a:r>
+            <a:r>
+              <a:rPr lang="de-CH" dirty="0" err="1"/>
+              <a:t>maxValue</a:t>
+            </a:r>
+            <a:r>
+              <a:rPr lang="de-CH" dirty="0"/>
+              <a:t> - </a:t>
+            </a:r>
+            <a:r>
+              <a:rPr lang="de-CH" dirty="0" err="1"/>
+              <a:t>maxThreads</a:t>
+            </a:r>
+            <a:r>
+              <a:rPr lang="de-CH" dirty="0"/>
+              <a:t>*</a:t>
+            </a:r>
+            <a:r>
+              <a:rPr lang="de-CH" dirty="0" err="1"/>
+              <a:t>intervall</a:t>
+            </a:r>
+            <a:r>
+              <a:rPr lang="de-CH" dirty="0"/>
+              <a:t>;</a:t>
+            </a:r>
+            <a:endParaRPr lang="de-CH" dirty="0"/>
           </a:p>
         </p:txBody>
       </p:sp>
@@ -4974,14 +5366,6 @@
           <a:bodyPr/>
           <a:lstStyle/>
           <a:p>
-            <a:r>
-              <a:rPr lang="en-US" dirty="0" err="1" smtClean="0"/>
-              <a:t>Umsetzung</a:t>
-            </a:r>
-            <a:r>
-              <a:rPr lang="en-US" dirty="0" smtClean="0"/>
-              <a:t> Version2</a:t>
-            </a:r>
             <a:endParaRPr lang="de-CH" dirty="0"/>
           </a:p>
         </p:txBody>

--- a/Primzahlen und Threads.pptx
+++ b/Primzahlen und Threads.pptx
@@ -5,7 +5,7 @@
     <p:sldMasterId id="2147483648" r:id="rId1"/>
   </p:sldMasterIdLst>
   <p:notesMasterIdLst>
-    <p:notesMasterId r:id="rId16"/>
+    <p:notesMasterId r:id="rId17"/>
   </p:notesMasterIdLst>
   <p:sldIdLst>
     <p:sldId id="256" r:id="rId2"/>
@@ -19,9 +19,10 @@
     <p:sldId id="263" r:id="rId10"/>
     <p:sldId id="269" r:id="rId11"/>
     <p:sldId id="266" r:id="rId12"/>
-    <p:sldId id="267" r:id="rId13"/>
-    <p:sldId id="265" r:id="rId14"/>
-    <p:sldId id="268" r:id="rId15"/>
+    <p:sldId id="270" r:id="rId13"/>
+    <p:sldId id="271" r:id="rId14"/>
+    <p:sldId id="265" r:id="rId15"/>
+    <p:sldId id="268" r:id="rId16"/>
   </p:sldIdLst>
   <p:sldSz cx="9144000" cy="6858000" type="screen4x3"/>
   <p:notesSz cx="6858000" cy="9144000"/>
@@ -205,7 +206,7 @@
           <a:p>
             <a:fld id="{8E2425EC-E2B0-4D22-A422-6759D1BA6E0D}" type="datetimeFigureOut">
               <a:rPr lang="de-CH" smtClean="0"/>
-              <a:t>03.06.2014</a:t>
+              <a:t>10.06.2014</a:t>
             </a:fld>
             <a:endParaRPr lang="de-CH"/>
           </a:p>
@@ -649,6 +650,234 @@
           <a:bodyPr/>
           <a:lstStyle/>
           <a:p>
+            <a:r>
+              <a:rPr lang="en-US" dirty="0" smtClean="0"/>
+              <a:t>Thread Scheduler: </a:t>
+            </a:r>
+            <a:r>
+              <a:rPr lang="en-US" dirty="0" err="1" smtClean="0"/>
+              <a:t>managen</a:t>
+            </a:r>
+            <a:r>
+              <a:rPr lang="en-US" baseline="0" dirty="0" smtClean="0"/>
+              <a:t> der Threads </a:t>
+            </a:r>
+            <a:r>
+              <a:rPr lang="en-US" baseline="0" dirty="0" err="1" smtClean="0"/>
+              <a:t>oder</a:t>
+            </a:r>
+            <a:r>
+              <a:rPr lang="en-US" baseline="0" dirty="0" smtClean="0"/>
+              <a:t> </a:t>
+            </a:r>
+            <a:r>
+              <a:rPr lang="en-US" baseline="0" dirty="0" err="1" smtClean="0"/>
+              <a:t>alle</a:t>
+            </a:r>
+            <a:r>
+              <a:rPr lang="en-US" baseline="0" dirty="0" smtClean="0"/>
+              <a:t> </a:t>
+            </a:r>
+            <a:r>
+              <a:rPr lang="en-US" baseline="0" dirty="0" err="1" smtClean="0"/>
+              <a:t>selbst</a:t>
+            </a:r>
+            <a:r>
+              <a:rPr lang="en-US" baseline="0" dirty="0" smtClean="0"/>
+              <a:t> </a:t>
+            </a:r>
+            <a:r>
+              <a:rPr lang="en-US" baseline="0" dirty="0" err="1" smtClean="0"/>
+              <a:t>steuern</a:t>
+            </a:r>
+            <a:r>
+              <a:rPr lang="en-US" baseline="0" dirty="0" smtClean="0"/>
+              <a:t>.</a:t>
+            </a:r>
+            <a:endParaRPr lang="de-CH" dirty="0"/>
+          </a:p>
+        </p:txBody>
+      </p:sp>
+      <p:sp>
+        <p:nvSpPr>
+          <p:cNvPr id="4" name="Foliennummernplatzhalter 3"/>
+          <p:cNvSpPr>
+            <a:spLocks noGrp="1"/>
+          </p:cNvSpPr>
+          <p:nvPr>
+            <p:ph type="sldNum" sz="quarter" idx="10"/>
+          </p:nvPr>
+        </p:nvSpPr>
+        <p:spPr/>
+        <p:txBody>
+          <a:bodyPr/>
+          <a:lstStyle/>
+          <a:p>
+            <a:fld id="{B267EA16-1FF6-46A6-A6F7-0B7CA0B719BB}" type="slidenum">
+              <a:rPr lang="de-CH" smtClean="0"/>
+              <a:t>5</a:t>
+            </a:fld>
+            <a:endParaRPr lang="de-CH"/>
+          </a:p>
+        </p:txBody>
+      </p:sp>
+    </p:spTree>
+    <p:extLst>
+      <p:ext uri="{BB962C8B-B14F-4D97-AF65-F5344CB8AC3E}">
+        <p14:creationId xmlns:p14="http://schemas.microsoft.com/office/powerpoint/2010/main" val="184566842"/>
+      </p:ext>
+    </p:extLst>
+  </p:cSld>
+  <p:clrMapOvr>
+    <a:masterClrMapping/>
+  </p:clrMapOvr>
+</p:notes>
+</file>
+
+<file path=ppt/notesSlides/notesSlide3.xml><?xml version="1.0" encoding="utf-8"?>
+<p:notes xmlns:a="http://schemas.openxmlformats.org/drawingml/2006/main" xmlns:r="http://schemas.openxmlformats.org/officeDocument/2006/relationships" xmlns:p="http://schemas.openxmlformats.org/presentationml/2006/main">
+  <p:cSld>
+    <p:spTree>
+      <p:nvGrpSpPr>
+        <p:cNvPr id="1" name=""/>
+        <p:cNvGrpSpPr/>
+        <p:nvPr/>
+      </p:nvGrpSpPr>
+      <p:grpSpPr>
+        <a:xfrm>
+          <a:off x="0" y="0"/>
+          <a:ext cx="0" cy="0"/>
+          <a:chOff x="0" y="0"/>
+          <a:chExt cx="0" cy="0"/>
+        </a:xfrm>
+      </p:grpSpPr>
+      <p:sp>
+        <p:nvSpPr>
+          <p:cNvPr id="2" name="Folienbildplatzhalter 1"/>
+          <p:cNvSpPr>
+            <a:spLocks noGrp="1" noRot="1" noChangeAspect="1"/>
+          </p:cNvSpPr>
+          <p:nvPr>
+            <p:ph type="sldImg"/>
+          </p:nvPr>
+        </p:nvSpPr>
+        <p:spPr/>
+      </p:sp>
+      <p:sp>
+        <p:nvSpPr>
+          <p:cNvPr id="3" name="Notizenplatzhalter 2"/>
+          <p:cNvSpPr>
+            <a:spLocks noGrp="1"/>
+          </p:cNvSpPr>
+          <p:nvPr>
+            <p:ph type="body" idx="1"/>
+          </p:nvPr>
+        </p:nvSpPr>
+        <p:spPr/>
+        <p:txBody>
+          <a:bodyPr/>
+          <a:lstStyle/>
+          <a:p>
+            <a:endParaRPr lang="de-CH" dirty="0"/>
+          </a:p>
+        </p:txBody>
+      </p:sp>
+      <p:sp>
+        <p:nvSpPr>
+          <p:cNvPr id="4" name="Foliennummernplatzhalter 3"/>
+          <p:cNvSpPr>
+            <a:spLocks noGrp="1"/>
+          </p:cNvSpPr>
+          <p:nvPr>
+            <p:ph type="sldNum" sz="quarter" idx="10"/>
+          </p:nvPr>
+        </p:nvSpPr>
+        <p:spPr/>
+        <p:txBody>
+          <a:bodyPr/>
+          <a:lstStyle/>
+          <a:p>
+            <a:fld id="{B267EA16-1FF6-46A6-A6F7-0B7CA0B719BB}" type="slidenum">
+              <a:rPr lang="de-CH" smtClean="0"/>
+              <a:t>6</a:t>
+            </a:fld>
+            <a:endParaRPr lang="de-CH"/>
+          </a:p>
+        </p:txBody>
+      </p:sp>
+    </p:spTree>
+    <p:extLst>
+      <p:ext uri="{BB962C8B-B14F-4D97-AF65-F5344CB8AC3E}">
+        <p14:creationId xmlns:p14="http://schemas.microsoft.com/office/powerpoint/2010/main" val="2039565477"/>
+      </p:ext>
+    </p:extLst>
+  </p:cSld>
+  <p:clrMapOvr>
+    <a:masterClrMapping/>
+  </p:clrMapOvr>
+</p:notes>
+</file>
+
+<file path=ppt/notesSlides/notesSlide4.xml><?xml version="1.0" encoding="utf-8"?>
+<p:notes xmlns:a="http://schemas.openxmlformats.org/drawingml/2006/main" xmlns:r="http://schemas.openxmlformats.org/officeDocument/2006/relationships" xmlns:p="http://schemas.openxmlformats.org/presentationml/2006/main">
+  <p:cSld>
+    <p:spTree>
+      <p:nvGrpSpPr>
+        <p:cNvPr id="1" name=""/>
+        <p:cNvGrpSpPr/>
+        <p:nvPr/>
+      </p:nvGrpSpPr>
+      <p:grpSpPr>
+        <a:xfrm>
+          <a:off x="0" y="0"/>
+          <a:ext cx="0" cy="0"/>
+          <a:chOff x="0" y="0"/>
+          <a:chExt cx="0" cy="0"/>
+        </a:xfrm>
+      </p:grpSpPr>
+      <p:sp>
+        <p:nvSpPr>
+          <p:cNvPr id="2" name="Folienbildplatzhalter 1"/>
+          <p:cNvSpPr>
+            <a:spLocks noGrp="1" noRot="1" noChangeAspect="1"/>
+          </p:cNvSpPr>
+          <p:nvPr>
+            <p:ph type="sldImg"/>
+          </p:nvPr>
+        </p:nvSpPr>
+        <p:spPr/>
+      </p:sp>
+      <p:sp>
+        <p:nvSpPr>
+          <p:cNvPr id="3" name="Notizenplatzhalter 2"/>
+          <p:cNvSpPr>
+            <a:spLocks noGrp="1"/>
+          </p:cNvSpPr>
+          <p:nvPr>
+            <p:ph type="body" idx="1"/>
+          </p:nvPr>
+        </p:nvSpPr>
+        <p:spPr/>
+        <p:txBody>
+          <a:bodyPr/>
+          <a:lstStyle/>
+          <a:p>
+            <a:r>
+              <a:rPr lang="en-US" dirty="0" err="1" smtClean="0"/>
+              <a:t>Basierend</a:t>
+            </a:r>
+            <a:r>
+              <a:rPr lang="en-US" dirty="0" smtClean="0"/>
+              <a:t> auf </a:t>
+            </a:r>
+            <a:r>
+              <a:rPr lang="en-US" dirty="0" err="1" smtClean="0"/>
+              <a:t>dem</a:t>
+            </a:r>
+            <a:r>
+              <a:rPr lang="en-US" dirty="0" smtClean="0"/>
+              <a:t> CSV export</a:t>
+            </a:r>
             <a:endParaRPr lang="de-CH" dirty="0"/>
           </a:p>
         </p:txBody>
@@ -680,6 +909,134 @@
     <p:extLst>
       <p:ext uri="{BB962C8B-B14F-4D97-AF65-F5344CB8AC3E}">
         <p14:creationId xmlns:p14="http://schemas.microsoft.com/office/powerpoint/2010/main" val="1027648065"/>
+      </p:ext>
+    </p:extLst>
+  </p:cSld>
+  <p:clrMapOvr>
+    <a:masterClrMapping/>
+  </p:clrMapOvr>
+</p:notes>
+</file>
+
+<file path=ppt/notesSlides/notesSlide5.xml><?xml version="1.0" encoding="utf-8"?>
+<p:notes xmlns:a="http://schemas.openxmlformats.org/drawingml/2006/main" xmlns:r="http://schemas.openxmlformats.org/officeDocument/2006/relationships" xmlns:p="http://schemas.openxmlformats.org/presentationml/2006/main">
+  <p:cSld>
+    <p:spTree>
+      <p:nvGrpSpPr>
+        <p:cNvPr id="1" name=""/>
+        <p:cNvGrpSpPr/>
+        <p:nvPr/>
+      </p:nvGrpSpPr>
+      <p:grpSpPr>
+        <a:xfrm>
+          <a:off x="0" y="0"/>
+          <a:ext cx="0" cy="0"/>
+          <a:chOff x="0" y="0"/>
+          <a:chExt cx="0" cy="0"/>
+        </a:xfrm>
+      </p:grpSpPr>
+      <p:sp>
+        <p:nvSpPr>
+          <p:cNvPr id="2" name="Folienbildplatzhalter 1"/>
+          <p:cNvSpPr>
+            <a:spLocks noGrp="1" noRot="1" noChangeAspect="1"/>
+          </p:cNvSpPr>
+          <p:nvPr>
+            <p:ph type="sldImg"/>
+          </p:nvPr>
+        </p:nvSpPr>
+        <p:spPr/>
+      </p:sp>
+      <p:sp>
+        <p:nvSpPr>
+          <p:cNvPr id="3" name="Notizenplatzhalter 2"/>
+          <p:cNvSpPr>
+            <a:spLocks noGrp="1"/>
+          </p:cNvSpPr>
+          <p:nvPr>
+            <p:ph type="body" idx="1"/>
+          </p:nvPr>
+        </p:nvSpPr>
+        <p:spPr/>
+        <p:txBody>
+          <a:bodyPr/>
+          <a:lstStyle/>
+          <a:p>
+            <a:r>
+              <a:rPr lang="en-US" dirty="0" err="1" smtClean="0"/>
+              <a:t>Weniger</a:t>
+            </a:r>
+            <a:r>
+              <a:rPr lang="en-US" dirty="0" smtClean="0"/>
+              <a:t> </a:t>
+            </a:r>
+            <a:r>
+              <a:rPr lang="en-US" dirty="0" err="1" smtClean="0"/>
+              <a:t>Flexibel</a:t>
+            </a:r>
+            <a:r>
+              <a:rPr lang="en-US" dirty="0" smtClean="0"/>
+              <a:t> </a:t>
+            </a:r>
+            <a:r>
+              <a:rPr lang="en-US" dirty="0" err="1" smtClean="0"/>
+              <a:t>weil</a:t>
+            </a:r>
+            <a:r>
+              <a:rPr lang="en-US" dirty="0" smtClean="0"/>
+              <a:t>: die</a:t>
+            </a:r>
+            <a:r>
+              <a:rPr lang="en-US" baseline="0" dirty="0" smtClean="0"/>
+              <a:t> Threads von Java </a:t>
+            </a:r>
+            <a:r>
+              <a:rPr lang="en-US" baseline="0" dirty="0" err="1" smtClean="0"/>
+              <a:t>verwaltet</a:t>
+            </a:r>
+            <a:r>
+              <a:rPr lang="en-US" baseline="0" dirty="0" smtClean="0"/>
+              <a:t> </a:t>
+            </a:r>
+            <a:r>
+              <a:rPr lang="en-US" baseline="0" dirty="0" err="1" smtClean="0"/>
+              <a:t>werden</a:t>
+            </a:r>
+            <a:r>
+              <a:rPr lang="en-US" baseline="0" dirty="0" smtClean="0"/>
+              <a:t>. </a:t>
+            </a:r>
+            <a:endParaRPr lang="de-CH" dirty="0"/>
+          </a:p>
+        </p:txBody>
+      </p:sp>
+      <p:sp>
+        <p:nvSpPr>
+          <p:cNvPr id="4" name="Foliennummernplatzhalter 3"/>
+          <p:cNvSpPr>
+            <a:spLocks noGrp="1"/>
+          </p:cNvSpPr>
+          <p:nvPr>
+            <p:ph type="sldNum" sz="quarter" idx="10"/>
+          </p:nvPr>
+        </p:nvSpPr>
+        <p:spPr/>
+        <p:txBody>
+          <a:bodyPr/>
+          <a:lstStyle/>
+          <a:p>
+            <a:fld id="{B267EA16-1FF6-46A6-A6F7-0B7CA0B719BB}" type="slidenum">
+              <a:rPr lang="de-CH" smtClean="0"/>
+              <a:t>14</a:t>
+            </a:fld>
+            <a:endParaRPr lang="de-CH"/>
+          </a:p>
+        </p:txBody>
+      </p:sp>
+    </p:spTree>
+    <p:extLst>
+      <p:ext uri="{BB962C8B-B14F-4D97-AF65-F5344CB8AC3E}">
+        <p14:creationId xmlns:p14="http://schemas.microsoft.com/office/powerpoint/2010/main" val="3718444059"/>
       </p:ext>
     </p:extLst>
   </p:cSld>
@@ -870,7 +1227,7 @@
           <a:p>
             <a:fld id="{6B7AEA7A-B96D-4D45-AF1B-743B38A05A20}" type="datetimeFigureOut">
               <a:rPr lang="de-CH" smtClean="0"/>
-              <a:t>03.06.2014</a:t>
+              <a:t>10.06.2014</a:t>
             </a:fld>
             <a:endParaRPr lang="de-CH"/>
           </a:p>
@@ -1040,7 +1397,7 @@
           <a:p>
             <a:fld id="{6B7AEA7A-B96D-4D45-AF1B-743B38A05A20}" type="datetimeFigureOut">
               <a:rPr lang="de-CH" smtClean="0"/>
-              <a:t>03.06.2014</a:t>
+              <a:t>10.06.2014</a:t>
             </a:fld>
             <a:endParaRPr lang="de-CH"/>
           </a:p>
@@ -1220,7 +1577,7 @@
           <a:p>
             <a:fld id="{6B7AEA7A-B96D-4D45-AF1B-743B38A05A20}" type="datetimeFigureOut">
               <a:rPr lang="de-CH" smtClean="0"/>
-              <a:t>03.06.2014</a:t>
+              <a:t>10.06.2014</a:t>
             </a:fld>
             <a:endParaRPr lang="de-CH"/>
           </a:p>
@@ -1390,7 +1747,7 @@
           <a:p>
             <a:fld id="{6B7AEA7A-B96D-4D45-AF1B-743B38A05A20}" type="datetimeFigureOut">
               <a:rPr lang="de-CH" smtClean="0"/>
-              <a:t>03.06.2014</a:t>
+              <a:t>10.06.2014</a:t>
             </a:fld>
             <a:endParaRPr lang="de-CH"/>
           </a:p>
@@ -1636,7 +1993,7 @@
           <a:p>
             <a:fld id="{6B7AEA7A-B96D-4D45-AF1B-743B38A05A20}" type="datetimeFigureOut">
               <a:rPr lang="de-CH" smtClean="0"/>
-              <a:t>03.06.2014</a:t>
+              <a:t>10.06.2014</a:t>
             </a:fld>
             <a:endParaRPr lang="de-CH"/>
           </a:p>
@@ -1924,7 +2281,7 @@
           <a:p>
             <a:fld id="{6B7AEA7A-B96D-4D45-AF1B-743B38A05A20}" type="datetimeFigureOut">
               <a:rPr lang="de-CH" smtClean="0"/>
-              <a:t>03.06.2014</a:t>
+              <a:t>10.06.2014</a:t>
             </a:fld>
             <a:endParaRPr lang="de-CH"/>
           </a:p>
@@ -2346,7 +2703,7 @@
           <a:p>
             <a:fld id="{6B7AEA7A-B96D-4D45-AF1B-743B38A05A20}" type="datetimeFigureOut">
               <a:rPr lang="de-CH" smtClean="0"/>
-              <a:t>03.06.2014</a:t>
+              <a:t>10.06.2014</a:t>
             </a:fld>
             <a:endParaRPr lang="de-CH"/>
           </a:p>
@@ -2464,7 +2821,7 @@
           <a:p>
             <a:fld id="{6B7AEA7A-B96D-4D45-AF1B-743B38A05A20}" type="datetimeFigureOut">
               <a:rPr lang="de-CH" smtClean="0"/>
-              <a:t>03.06.2014</a:t>
+              <a:t>10.06.2014</a:t>
             </a:fld>
             <a:endParaRPr lang="de-CH"/>
           </a:p>
@@ -2559,7 +2916,7 @@
           <a:p>
             <a:fld id="{6B7AEA7A-B96D-4D45-AF1B-743B38A05A20}" type="datetimeFigureOut">
               <a:rPr lang="de-CH" smtClean="0"/>
-              <a:t>03.06.2014</a:t>
+              <a:t>10.06.2014</a:t>
             </a:fld>
             <a:endParaRPr lang="de-CH"/>
           </a:p>
@@ -2836,7 +3193,7 @@
           <a:p>
             <a:fld id="{6B7AEA7A-B96D-4D45-AF1B-743B38A05A20}" type="datetimeFigureOut">
               <a:rPr lang="de-CH" smtClean="0"/>
-              <a:t>03.06.2014</a:t>
+              <a:t>10.06.2014</a:t>
             </a:fld>
             <a:endParaRPr lang="de-CH"/>
           </a:p>
@@ -3089,7 +3446,7 @@
           <a:p>
             <a:fld id="{6B7AEA7A-B96D-4D45-AF1B-743B38A05A20}" type="datetimeFigureOut">
               <a:rPr lang="de-CH" smtClean="0"/>
-              <a:t>03.06.2014</a:t>
+              <a:t>10.06.2014</a:t>
             </a:fld>
             <a:endParaRPr lang="de-CH"/>
           </a:p>
@@ -3302,7 +3659,7 @@
           <a:p>
             <a:fld id="{6B7AEA7A-B96D-4D45-AF1B-743B38A05A20}" type="datetimeFigureOut">
               <a:rPr lang="de-CH" smtClean="0"/>
-              <a:t>03.06.2014</a:t>
+              <a:t>10.06.2014</a:t>
             </a:fld>
             <a:endParaRPr lang="de-CH"/>
           </a:p>
@@ -3824,7 +4181,7 @@
         </p:blipFill>
         <p:spPr bwMode="auto">
           <a:xfrm>
-            <a:off x="179512" y="980729"/>
+            <a:off x="179512" y="1196752"/>
             <a:ext cx="8121097" cy="4608512"/>
           </a:xfrm>
           <a:prstGeom prst="rect">
@@ -3979,10 +4336,82 @@
           <a:bodyPr/>
           <a:lstStyle/>
           <a:p>
-            <a:endParaRPr lang="de-CH"/>
-          </a:p>
-        </p:txBody>
-      </p:sp>
+            <a:pPr marL="0" indent="0">
+              <a:buNone/>
+            </a:pPr>
+            <a:endParaRPr lang="en-US" b="1" dirty="0" smtClean="0"/>
+          </a:p>
+          <a:p>
+            <a:pPr marL="0" indent="0">
+              <a:buNone/>
+            </a:pPr>
+            <a:endParaRPr lang="en-US" b="1" dirty="0" smtClean="0"/>
+          </a:p>
+          <a:p>
+            <a:pPr marL="0" indent="0">
+              <a:buNone/>
+            </a:pPr>
+            <a:r>
+              <a:rPr lang="en-US" b="1" dirty="0" err="1" smtClean="0"/>
+              <a:t>Klasse</a:t>
+            </a:r>
+            <a:r>
+              <a:rPr lang="en-US" b="1" dirty="0" smtClean="0"/>
+              <a:t> </a:t>
+            </a:r>
+            <a:r>
+              <a:rPr lang="en-US" b="1" dirty="0" err="1" smtClean="0"/>
+              <a:t>mit</a:t>
+            </a:r>
+            <a:r>
+              <a:rPr lang="en-US" b="1" dirty="0" smtClean="0"/>
+              <a:t> Callable Interface</a:t>
+            </a:r>
+            <a:endParaRPr lang="de-CH" b="1" dirty="0"/>
+          </a:p>
+        </p:txBody>
+      </p:sp>
+      <p:pic>
+        <p:nvPicPr>
+          <p:cNvPr id="1026" name="Picture 2" descr="C:\Users\James\Desktop\interface.PNG"/>
+          <p:cNvPicPr>
+            <a:picLocks noChangeAspect="1" noChangeArrowheads="1"/>
+          </p:cNvPicPr>
+          <p:nvPr/>
+        </p:nvPicPr>
+        <p:blipFill>
+          <a:blip r:embed="rId2">
+            <a:extLst>
+              <a:ext uri="{28A0092B-C50C-407E-A947-70E740481C1C}">
+                <a14:useLocalDpi xmlns:a14="http://schemas.microsoft.com/office/drawing/2010/main" val="0"/>
+              </a:ext>
+            </a:extLst>
+          </a:blip>
+          <a:srcRect/>
+          <a:stretch>
+            <a:fillRect/>
+          </a:stretch>
+        </p:blipFill>
+        <p:spPr bwMode="auto">
+          <a:xfrm>
+            <a:off x="154710" y="3573016"/>
+            <a:ext cx="8856284" cy="1636487"/>
+          </a:xfrm>
+          <a:prstGeom prst="rect">
+            <a:avLst/>
+          </a:prstGeom>
+          <a:noFill/>
+          <a:extLst>
+            <a:ext uri="{909E8E84-426E-40DD-AFC4-6F175D3DCCD1}">
+              <a14:hiddenFill xmlns:a14="http://schemas.microsoft.com/office/drawing/2010/main">
+                <a:solidFill>
+                  <a:srgbClr val="FFFFFF"/>
+                </a:solidFill>
+              </a14:hiddenFill>
+            </a:ext>
+          </a:extLst>
+        </p:spPr>
+      </p:pic>
     </p:spTree>
     <p:extLst>
       <p:ext uri="{BB962C8B-B14F-4D97-AF65-F5344CB8AC3E}">
@@ -4037,35 +4466,71 @@
           <a:p>
             <a:r>
               <a:rPr lang="en-US" dirty="0" err="1" smtClean="0"/>
-              <a:t>Fazit</a:t>
+              <a:t>Erkärung</a:t>
+            </a:r>
+            <a:r>
+              <a:rPr lang="en-US" dirty="0" smtClean="0"/>
+              <a:t> </a:t>
+            </a:r>
+            <a:r>
+              <a:rPr lang="en-US" dirty="0" err="1" smtClean="0"/>
+              <a:t>Quellcode</a:t>
+            </a:r>
+            <a:r>
+              <a:rPr lang="en-US" dirty="0" smtClean="0"/>
+              <a:t> 2</a:t>
             </a:r>
             <a:endParaRPr lang="de-CH" dirty="0"/>
           </a:p>
         </p:txBody>
       </p:sp>
-      <p:sp>
-        <p:nvSpPr>
-          <p:cNvPr id="3" name="Inhaltsplatzhalter 2"/>
-          <p:cNvSpPr>
-            <a:spLocks noGrp="1"/>
-          </p:cNvSpPr>
+      <p:pic>
+        <p:nvPicPr>
+          <p:cNvPr id="2050" name="Picture 2" descr="C:\Users\James\Desktop\working with future objs.PNG"/>
+          <p:cNvPicPr>
+            <a:picLocks noGrp="1" noChangeAspect="1" noChangeArrowheads="1"/>
+          </p:cNvPicPr>
           <p:nvPr>
             <p:ph idx="1"/>
           </p:nvPr>
-        </p:nvSpPr>
-        <p:spPr/>
-        <p:txBody>
-          <a:bodyPr/>
-          <a:lstStyle/>
-          <a:p>
-            <a:endParaRPr lang="de-CH"/>
-          </a:p>
-        </p:txBody>
-      </p:sp>
+        </p:nvPicPr>
+        <p:blipFill>
+          <a:blip r:embed="rId2">
+            <a:extLst>
+              <a:ext uri="{28A0092B-C50C-407E-A947-70E740481C1C}">
+                <a14:useLocalDpi xmlns:a14="http://schemas.microsoft.com/office/drawing/2010/main" val="0"/>
+              </a:ext>
+            </a:extLst>
+          </a:blip>
+          <a:srcRect/>
+          <a:stretch>
+            <a:fillRect/>
+          </a:stretch>
+        </p:blipFill>
+        <p:spPr bwMode="auto">
+          <a:xfrm>
+            <a:off x="179512" y="2276872"/>
+            <a:ext cx="8817757" cy="3347797"/>
+          </a:xfrm>
+          <a:prstGeom prst="rect">
+            <a:avLst/>
+          </a:prstGeom>
+          <a:noFill/>
+          <a:extLst>
+            <a:ext uri="{909E8E84-426E-40DD-AFC4-6F175D3DCCD1}">
+              <a14:hiddenFill xmlns:a14="http://schemas.microsoft.com/office/drawing/2010/main">
+                <a:solidFill>
+                  <a:srgbClr val="FFFFFF"/>
+                </a:solidFill>
+              </a14:hiddenFill>
+            </a:ext>
+          </a:extLst>
+        </p:spPr>
+      </p:pic>
     </p:spTree>
     <p:extLst>
       <p:ext uri="{BB962C8B-B14F-4D97-AF65-F5344CB8AC3E}">
-        <p14:creationId xmlns:p14="http://schemas.microsoft.com/office/powerpoint/2010/main" val="3666872526"/>
+        <p14:creationId xmlns:p14="http://schemas.microsoft.com/office/powerpoint/2010/main" val="356056853"/>
       </p:ext>
     </p:extLst>
   </p:cSld>
@@ -4115,16 +4580,8 @@
           <a:lstStyle/>
           <a:p>
             <a:r>
-              <a:rPr lang="en-US" dirty="0" err="1" smtClean="0"/>
-              <a:t>Vor</a:t>
-            </a:r>
-            <a:r>
-              <a:rPr lang="en-US" dirty="0" smtClean="0"/>
-              <a:t> und </a:t>
-            </a:r>
-            <a:r>
-              <a:rPr lang="en-US" dirty="0" err="1" smtClean="0"/>
-              <a:t>Nachteile</a:t>
+              <a:rPr lang="en-US" dirty="0" smtClean="0"/>
+              <a:t>Demonstration</a:t>
             </a:r>
             <a:endParaRPr lang="de-CH" dirty="0"/>
           </a:p>
@@ -4145,6 +4602,61 @@
           <a:bodyPr/>
           <a:lstStyle/>
           <a:p>
+            <a:r>
+              <a:rPr lang="en-US" b="1" dirty="0" err="1" smtClean="0"/>
+              <a:t>Quellcodes</a:t>
+            </a:r>
+            <a:r>
+              <a:rPr lang="en-US" b="1" dirty="0" smtClean="0"/>
+              <a:t>:</a:t>
+            </a:r>
+          </a:p>
+          <a:p>
+            <a:pPr marL="0" indent="0">
+              <a:buNone/>
+            </a:pPr>
+            <a:r>
+              <a:rPr lang="en-US" dirty="0" smtClean="0">
+                <a:hlinkClick r:id="rId2"/>
+              </a:rPr>
+              <a:t>https</a:t>
+            </a:r>
+            <a:r>
+              <a:rPr lang="en-US" dirty="0">
+                <a:hlinkClick r:id="rId2"/>
+              </a:rPr>
+              <a:t>://</a:t>
+            </a:r>
+            <a:r>
+              <a:rPr lang="en-US" dirty="0" smtClean="0">
+                <a:hlinkClick r:id="rId2"/>
+              </a:rPr>
+              <a:t>github.com/tscheims1/PrimeCalculator1</a:t>
+            </a:r>
+            <a:endParaRPr lang="en-US" dirty="0" smtClean="0"/>
+          </a:p>
+          <a:p>
+            <a:pPr marL="0" indent="0">
+              <a:buNone/>
+            </a:pPr>
+            <a:r>
+              <a:rPr lang="de-CH" dirty="0">
+                <a:hlinkClick r:id="rId3"/>
+              </a:rPr>
+              <a:t>https://</a:t>
+            </a:r>
+            <a:r>
+              <a:rPr lang="de-CH" dirty="0" smtClean="0">
+                <a:hlinkClick r:id="rId3"/>
+              </a:rPr>
+              <a:t>github.com/tscheims1/PrimeCalculator2</a:t>
+            </a:r>
+            <a:endParaRPr lang="de-CH" dirty="0" smtClean="0"/>
+          </a:p>
+          <a:p>
+            <a:pPr marL="0" indent="0">
+              <a:buNone/>
+            </a:pPr>
             <a:endParaRPr lang="de-CH" dirty="0"/>
           </a:p>
         </p:txBody>
@@ -4152,7 +4664,7 @@
     </p:spTree>
     <p:extLst>
       <p:ext uri="{BB962C8B-B14F-4D97-AF65-F5344CB8AC3E}">
-        <p14:creationId xmlns:p14="http://schemas.microsoft.com/office/powerpoint/2010/main" val="2823872505"/>
+        <p14:creationId xmlns:p14="http://schemas.microsoft.com/office/powerpoint/2010/main" val="3119977600"/>
       </p:ext>
     </p:extLst>
   </p:cSld>
@@ -4201,6 +4713,203 @@
           <a:bodyPr/>
           <a:lstStyle/>
           <a:p>
+            <a:r>
+              <a:rPr lang="en-US" dirty="0" err="1" smtClean="0"/>
+              <a:t>Vor</a:t>
+            </a:r>
+            <a:r>
+              <a:rPr lang="en-US" dirty="0" smtClean="0"/>
+              <a:t> und </a:t>
+            </a:r>
+            <a:r>
+              <a:rPr lang="en-US" dirty="0" err="1" smtClean="0"/>
+              <a:t>Nachteile</a:t>
+            </a:r>
+            <a:endParaRPr lang="de-CH" dirty="0"/>
+          </a:p>
+        </p:txBody>
+      </p:sp>
+      <p:sp>
+        <p:nvSpPr>
+          <p:cNvPr id="3" name="Inhaltsplatzhalter 2"/>
+          <p:cNvSpPr>
+            <a:spLocks noGrp="1"/>
+          </p:cNvSpPr>
+          <p:nvPr>
+            <p:ph idx="1"/>
+          </p:nvPr>
+        </p:nvSpPr>
+        <p:spPr/>
+        <p:txBody>
+          <a:bodyPr/>
+          <a:lstStyle/>
+          <a:p>
+            <a:pPr marL="0" indent="0">
+              <a:buNone/>
+            </a:pPr>
+            <a:r>
+              <a:rPr lang="en-US" dirty="0" smtClean="0"/>
+              <a:t>+ </a:t>
+            </a:r>
+            <a:r>
+              <a:rPr lang="en-US" dirty="0" err="1" smtClean="0"/>
+              <a:t>Beenden</a:t>
+            </a:r>
+            <a:r>
+              <a:rPr lang="en-US" dirty="0" smtClean="0"/>
+              <a:t> </a:t>
+            </a:r>
+            <a:r>
+              <a:rPr lang="en-US" dirty="0" err="1" smtClean="0"/>
+              <a:t>ohne</a:t>
+            </a:r>
+            <a:r>
+              <a:rPr lang="en-US" dirty="0" smtClean="0"/>
+              <a:t> “stop” </a:t>
+            </a:r>
+            <a:r>
+              <a:rPr lang="en-US" dirty="0" err="1" smtClean="0"/>
+              <a:t>Methode</a:t>
+            </a:r>
+            <a:endParaRPr lang="en-US" dirty="0" smtClean="0"/>
+          </a:p>
+          <a:p>
+            <a:pPr marL="0" indent="0">
+              <a:buNone/>
+            </a:pPr>
+            <a:r>
+              <a:rPr lang="en-US" dirty="0" smtClean="0"/>
+              <a:t>+ Thread Scheduler </a:t>
+            </a:r>
+            <a:r>
+              <a:rPr lang="en-US" dirty="0" err="1" smtClean="0"/>
+              <a:t>für</a:t>
+            </a:r>
+            <a:r>
+              <a:rPr lang="en-US" dirty="0" smtClean="0"/>
+              <a:t> </a:t>
+            </a:r>
+            <a:r>
+              <a:rPr lang="en-US" dirty="0" err="1" smtClean="0"/>
+              <a:t>Verwaltung</a:t>
+            </a:r>
+            <a:endParaRPr lang="en-US" dirty="0" smtClean="0"/>
+          </a:p>
+          <a:p>
+            <a:pPr marL="0" indent="0">
+              <a:buNone/>
+            </a:pPr>
+            <a:r>
+              <a:rPr lang="en-US" dirty="0"/>
+              <a:t>+ CSV Export </a:t>
+            </a:r>
+            <a:r>
+              <a:rPr lang="en-US" dirty="0" err="1" smtClean="0"/>
+              <a:t>für</a:t>
+            </a:r>
+            <a:r>
+              <a:rPr lang="en-US" dirty="0" smtClean="0"/>
+              <a:t> </a:t>
+            </a:r>
+            <a:r>
+              <a:rPr lang="en-US" dirty="0" err="1" smtClean="0"/>
+              <a:t>Auswertung</a:t>
+            </a:r>
+            <a:endParaRPr lang="en-US" dirty="0" smtClean="0"/>
+          </a:p>
+          <a:p>
+            <a:pPr marL="0" indent="0">
+              <a:buNone/>
+            </a:pPr>
+            <a:endParaRPr lang="en-US" dirty="0" smtClean="0"/>
+          </a:p>
+          <a:p>
+            <a:pPr marL="0" indent="0">
+              <a:buNone/>
+            </a:pPr>
+            <a:r>
+              <a:rPr lang="en-US" dirty="0" smtClean="0"/>
+              <a:t>- </a:t>
+            </a:r>
+            <a:r>
+              <a:rPr lang="en-US" dirty="0" err="1" smtClean="0"/>
+              <a:t>Weniger</a:t>
+            </a:r>
+            <a:r>
+              <a:rPr lang="en-US" dirty="0" smtClean="0"/>
+              <a:t> </a:t>
+            </a:r>
+            <a:r>
+              <a:rPr lang="en-US" dirty="0" err="1" smtClean="0"/>
+              <a:t>flexibel</a:t>
+            </a:r>
+            <a:r>
+              <a:rPr lang="en-US" dirty="0" smtClean="0"/>
+              <a:t> </a:t>
+            </a:r>
+            <a:r>
+              <a:rPr lang="en-US" dirty="0" err="1" smtClean="0"/>
+              <a:t>mit</a:t>
+            </a:r>
+            <a:r>
+              <a:rPr lang="en-US" dirty="0" smtClean="0"/>
+              <a:t> Callable Object</a:t>
+            </a:r>
+          </a:p>
+        </p:txBody>
+      </p:sp>
+    </p:spTree>
+    <p:extLst>
+      <p:ext uri="{BB962C8B-B14F-4D97-AF65-F5344CB8AC3E}">
+        <p14:creationId xmlns:p14="http://schemas.microsoft.com/office/powerpoint/2010/main" val="2823872505"/>
+      </p:ext>
+    </p:extLst>
+  </p:cSld>
+  <p:clrMapOvr>
+    <a:masterClrMapping/>
+  </p:clrMapOvr>
+  <p:timing>
+    <p:tnLst>
+      <p:par>
+        <p:cTn id="1" dur="indefinite" restart="never" nodeType="tmRoot"/>
+      </p:par>
+    </p:tnLst>
+  </p:timing>
+</p:sld>
+</file>
+
+<file path=ppt/slides/slide15.xml><?xml version="1.0" encoding="utf-8"?>
+<p:sld xmlns:a="http://schemas.openxmlformats.org/drawingml/2006/main" xmlns:r="http://schemas.openxmlformats.org/officeDocument/2006/relationships" xmlns:p="http://schemas.openxmlformats.org/presentationml/2006/main">
+  <p:cSld>
+    <p:spTree>
+      <p:nvGrpSpPr>
+        <p:cNvPr id="1" name=""/>
+        <p:cNvGrpSpPr/>
+        <p:nvPr/>
+      </p:nvGrpSpPr>
+      <p:grpSpPr>
+        <a:xfrm>
+          <a:off x="0" y="0"/>
+          <a:ext cx="0" cy="0"/>
+          <a:chOff x="0" y="0"/>
+          <a:chExt cx="0" cy="0"/>
+        </a:xfrm>
+      </p:grpSpPr>
+      <p:sp>
+        <p:nvSpPr>
+          <p:cNvPr id="2" name="Titel 1"/>
+          <p:cNvSpPr>
+            <a:spLocks noGrp="1"/>
+          </p:cNvSpPr>
+          <p:nvPr>
+            <p:ph type="title"/>
+          </p:nvPr>
+        </p:nvSpPr>
+        <p:spPr/>
+        <p:txBody>
+          <a:bodyPr/>
+          <a:lstStyle/>
+          <a:p>
             <a:endParaRPr lang="de-CH" dirty="0"/>
           </a:p>
         </p:txBody>
@@ -4237,6 +4946,11 @@
               <a:rPr lang="en-US" sz="10000" dirty="0" smtClean="0"/>
               <a:t>?</a:t>
             </a:r>
+          </a:p>
+          <a:p>
+            <a:pPr marL="0" indent="0" algn="ctr">
+              <a:buNone/>
+            </a:pPr>
             <a:endParaRPr lang="de-CH" sz="10000" dirty="0"/>
           </a:p>
         </p:txBody>
@@ -4838,8 +5552,100 @@
           <a:p>
             <a:r>
               <a:rPr lang="en-US" dirty="0" err="1" smtClean="0"/>
-              <a:t>todo</a:t>
-            </a:r>
+              <a:t>Wenig</a:t>
+            </a:r>
+            <a:r>
+              <a:rPr lang="en-US" dirty="0" smtClean="0"/>
+              <a:t> </a:t>
+            </a:r>
+            <a:r>
+              <a:rPr lang="en-US" dirty="0" err="1" smtClean="0"/>
+              <a:t>Spielraum</a:t>
+            </a:r>
+            <a:endParaRPr lang="en-US" dirty="0" smtClean="0"/>
+          </a:p>
+          <a:p>
+            <a:r>
+              <a:rPr lang="en-US" dirty="0" smtClean="0"/>
+              <a:t>Java </a:t>
+            </a:r>
+            <a:r>
+              <a:rPr lang="en-US" dirty="0" err="1" smtClean="0"/>
+              <a:t>Fx</a:t>
+            </a:r>
+            <a:r>
+              <a:rPr lang="en-US" dirty="0" smtClean="0"/>
+              <a:t> </a:t>
+            </a:r>
+            <a:r>
+              <a:rPr lang="en-US" dirty="0" err="1" smtClean="0"/>
+              <a:t>Applikation</a:t>
+            </a:r>
+            <a:r>
+              <a:rPr lang="en-US" dirty="0" smtClean="0"/>
+              <a:t> / Swing</a:t>
+            </a:r>
+          </a:p>
+          <a:p>
+            <a:r>
+              <a:rPr lang="en-US" dirty="0" smtClean="0"/>
+              <a:t>Thread Scheduler?</a:t>
+            </a:r>
+          </a:p>
+          <a:p>
+            <a:r>
+              <a:rPr lang="en-US" dirty="0" err="1" smtClean="0"/>
+              <a:t>Zugriff</a:t>
+            </a:r>
+            <a:r>
+              <a:rPr lang="en-US" dirty="0" smtClean="0"/>
+              <a:t> auf das Callable </a:t>
+            </a:r>
+            <a:r>
+              <a:rPr lang="en-US" dirty="0" err="1" smtClean="0"/>
+              <a:t>Objeckt</a:t>
+            </a:r>
+            <a:r>
+              <a:rPr lang="en-US" dirty="0" smtClean="0"/>
+              <a:t> (Version2)</a:t>
+            </a:r>
+          </a:p>
+          <a:p>
+            <a:pPr lvl="1"/>
+            <a:r>
+              <a:rPr lang="en-US" dirty="0" err="1" smtClean="0"/>
+              <a:t>Direkter</a:t>
+            </a:r>
+            <a:r>
+              <a:rPr lang="en-US" dirty="0" smtClean="0"/>
+              <a:t> </a:t>
+            </a:r>
+            <a:r>
+              <a:rPr lang="en-US" dirty="0" err="1" smtClean="0"/>
+              <a:t>Zugriff</a:t>
+            </a:r>
+            <a:endParaRPr lang="en-US" dirty="0" smtClean="0"/>
+          </a:p>
+          <a:p>
+            <a:pPr lvl="1"/>
+            <a:r>
+              <a:rPr lang="en-US" dirty="0" err="1" smtClean="0"/>
+              <a:t>Mit</a:t>
+            </a:r>
+            <a:r>
+              <a:rPr lang="en-US" dirty="0" smtClean="0"/>
+              <a:t> </a:t>
+            </a:r>
+            <a:r>
+              <a:rPr lang="en-US" dirty="0" err="1" smtClean="0"/>
+              <a:t>FutureObjects</a:t>
+            </a:r>
+            <a:endParaRPr lang="en-US" dirty="0" smtClean="0"/>
+          </a:p>
+          <a:p>
+            <a:endParaRPr lang="en-US" dirty="0" smtClean="0"/>
+          </a:p>
+          <a:p>
             <a:endParaRPr lang="de-CH" dirty="0"/>
           </a:p>
         </p:txBody>
@@ -4972,8 +5778,28 @@
             </a:r>
             <a:r>
               <a:rPr lang="en-US" dirty="0" smtClean="0"/>
+              <a:t> </a:t>
+            </a:r>
+            <a:r>
+              <a:rPr lang="en-US" dirty="0" smtClean="0"/>
+              <a:t>Threads</a:t>
+            </a:r>
+          </a:p>
+          <a:p>
+            <a:pPr lvl="1"/>
+            <a:r>
+              <a:rPr lang="en-US" dirty="0" smtClean="0"/>
+              <a:t> </a:t>
+            </a:r>
+            <a:r>
+              <a:rPr lang="en-US" dirty="0" err="1" smtClean="0"/>
+              <a:t>beendet</a:t>
+            </a:r>
+            <a:r>
+              <a:rPr lang="en-US" dirty="0" smtClean="0"/>
               <a:t> Threads</a:t>
             </a:r>
+            <a:endParaRPr lang="en-US" dirty="0" smtClean="0"/>
           </a:p>
         </p:txBody>
       </p:sp>
@@ -5172,12 +5998,17 @@
           <a:bodyPr/>
           <a:lstStyle/>
           <a:p>
-            <a:pPr marL="0" indent="0">
-              <a:buNone/>
-            </a:pPr>
-            <a:r>
-              <a:rPr lang="en-US" dirty="0" err="1" smtClean="0"/>
-              <a:t>Bei</a:t>
+            <a:r>
+              <a:rPr lang="en-US" dirty="0" smtClean="0"/>
+              <a:t>CSV </a:t>
+            </a:r>
+            <a:r>
+              <a:rPr lang="en-US" dirty="0" smtClean="0"/>
+              <a:t>Export </a:t>
+            </a:r>
+            <a:r>
+              <a:rPr lang="en-US" dirty="0" err="1" smtClean="0"/>
+              <a:t>für</a:t>
             </a:r>
             <a:r>
               <a:rPr lang="en-US" dirty="0" smtClean="0"/>
@@ -5185,7 +6016,18 @@
             </a:r>
             <a:r>
               <a:rPr lang="en-US" dirty="0" err="1" smtClean="0"/>
-              <a:t>mehreren</a:t>
+              <a:t>Auswertung</a:t>
+            </a:r>
+            <a:endParaRPr lang="en-US" dirty="0"/>
+          </a:p>
+          <a:p>
+            <a:r>
+              <a:rPr lang="en-US" dirty="0" smtClean="0"/>
+              <a:t>Threads </a:t>
+            </a:r>
+            <a:r>
+              <a:rPr lang="en-US" dirty="0" err="1" smtClean="0"/>
+              <a:t>mit</a:t>
             </a:r>
             <a:r>
               <a:rPr lang="en-US" dirty="0" smtClean="0"/>
@@ -5193,124 +6035,26 @@
             </a:r>
             <a:r>
               <a:rPr lang="en-US" dirty="0" err="1" smtClean="0"/>
-              <a:t>Kalkulationen</a:t>
-            </a:r>
-            <a:r>
-              <a:rPr lang="en-US" dirty="0" smtClean="0"/>
-              <a:t>: </a:t>
-            </a:r>
-          </a:p>
-          <a:p>
-            <a:r>
-              <a:rPr lang="en-US" dirty="0" smtClean="0"/>
-              <a:t>CSV Export </a:t>
-            </a:r>
-            <a:r>
-              <a:rPr lang="en-US" dirty="0" err="1" smtClean="0"/>
-              <a:t>für</a:t>
+              <a:t>FutureObject</a:t>
+            </a:r>
+            <a:r>
+              <a:rPr lang="en-US" dirty="0" smtClean="0"/>
+              <a:t> und </a:t>
+            </a:r>
+            <a:r>
+              <a:rPr lang="en-US" dirty="0" err="1" smtClean="0"/>
+              <a:t>ThreadPool</a:t>
             </a:r>
             <a:r>
               <a:rPr lang="en-US" dirty="0" smtClean="0"/>
               <a:t> </a:t>
             </a:r>
-            <a:r>
-              <a:rPr lang="en-US" dirty="0" err="1" smtClean="0"/>
-              <a:t>Auswertung</a:t>
-            </a:r>
+          </a:p>
+          <a:p>
             <a:endParaRPr lang="en-US" dirty="0" smtClean="0"/>
           </a:p>
           <a:p>
-            <a:pPr marL="0" indent="0">
-              <a:buNone/>
-            </a:pPr>
-            <a:r>
-              <a:rPr lang="en-US" dirty="0"/>
-              <a:t>	</a:t>
-            </a:r>
             <a:endParaRPr lang="en-US" dirty="0" smtClean="0"/>
-          </a:p>
-          <a:p>
-            <a:pPr marL="0" indent="0">
-              <a:buNone/>
-            </a:pPr>
-            <a:r>
-              <a:rPr lang="de-CH" dirty="0" err="1" smtClean="0"/>
-              <a:t>Int</a:t>
-            </a:r>
-            <a:r>
-              <a:rPr lang="de-CH" dirty="0" smtClean="0"/>
-              <a:t> </a:t>
-            </a:r>
-            <a:r>
-              <a:rPr lang="de-CH" dirty="0" err="1"/>
-              <a:t>intervall</a:t>
-            </a:r>
-            <a:r>
-              <a:rPr lang="de-CH" dirty="0"/>
-              <a:t> =  </a:t>
-            </a:r>
-            <a:r>
-              <a:rPr lang="de-CH" dirty="0" err="1"/>
-              <a:t>maxValue</a:t>
-            </a:r>
-            <a:r>
-              <a:rPr lang="de-CH" dirty="0"/>
-              <a:t> / </a:t>
-            </a:r>
-            <a:r>
-              <a:rPr lang="de-CH" dirty="0" err="1"/>
-              <a:t>maxThreads</a:t>
-            </a:r>
-            <a:r>
-              <a:rPr lang="de-CH" dirty="0" smtClean="0"/>
-              <a:t>;</a:t>
-            </a:r>
-          </a:p>
-          <a:p>
-            <a:pPr marL="0" indent="0">
-              <a:buNone/>
-            </a:pPr>
-            <a:r>
-              <a:rPr lang="de-CH" dirty="0" err="1"/>
-              <a:t>int</a:t>
-            </a:r>
-            <a:r>
-              <a:rPr lang="de-CH" dirty="0"/>
-              <a:t> </a:t>
-            </a:r>
-            <a:r>
-              <a:rPr lang="de-CH" dirty="0" err="1"/>
-              <a:t>addAdditionalNumbers</a:t>
-            </a:r>
-            <a:r>
-              <a:rPr lang="de-CH" dirty="0"/>
-              <a:t> = </a:t>
-            </a:r>
-            <a:r>
-              <a:rPr lang="de-CH" dirty="0" err="1"/>
-              <a:t>maxValue</a:t>
-            </a:r>
-            <a:r>
-              <a:rPr lang="de-CH" dirty="0"/>
-              <a:t> - </a:t>
-            </a:r>
-            <a:r>
-              <a:rPr lang="de-CH" dirty="0" err="1"/>
-              <a:t>maxThreads</a:t>
-            </a:r>
-            <a:r>
-              <a:rPr lang="de-CH" dirty="0"/>
-              <a:t>*</a:t>
-            </a:r>
-            <a:r>
-              <a:rPr lang="de-CH" dirty="0" err="1"/>
-              <a:t>intervall</a:t>
-            </a:r>
-            <a:r>
-              <a:rPr lang="de-CH" dirty="0"/>
-              <a:t>;</a:t>
-            </a:r>
-            <a:endParaRPr lang="de-CH" dirty="0"/>
           </a:p>
         </p:txBody>
       </p:sp>
